--- a/Grocery Bargain.pptx
+++ b/Grocery Bargain.pptx
@@ -1,6 +1,6 @@
 
 <file path=ppt/presentation.xml><?xml version="1.0" encoding="utf-8"?>
-<p:presentation xmlns:a="http://schemas.openxmlformats.org/drawingml/2006/main" xmlns:r="http://schemas.openxmlformats.org/officeDocument/2006/relationships" xmlns:p="http://schemas.openxmlformats.org/presentationml/2006/main" autoCompressPictures="0">
+<p:presentation xmlns:a="http://schemas.openxmlformats.org/drawingml/2006/main" xmlns:r="http://schemas.openxmlformats.org/officeDocument/2006/relationships" xmlns:p="http://schemas.openxmlformats.org/presentationml/2006/main" saveSubsetFonts="1" autoCompressPictures="0">
   <p:sldMasterIdLst>
     <p:sldMasterId id="2147483648" r:id="rId1"/>
   </p:sldMasterIdLst>
@@ -10,7 +10,6 @@
     <p:sldId id="258" r:id="rId4"/>
     <p:sldId id="259" r:id="rId5"/>
     <p:sldId id="260" r:id="rId6"/>
-    <p:sldId id="261" r:id="rId7"/>
   </p:sldIdLst>
   <p:sldSz cx="12192000" cy="6858000"/>
   <p:notesSz cx="6858000" cy="9144000"/>
@@ -109,6 +108,11 @@
       </a:defRPr>
     </a:lvl9pPr>
   </p:defaultTextStyle>
+  <p:extLst>
+    <p:ext uri="{EFAFB233-063F-42B5-8137-9DF3F51BA10A}">
+      <p15:sldGuideLst xmlns:p15="http://schemas.microsoft.com/office/powerpoint/2012/main"/>
+    </p:ext>
+  </p:extLst>
 </p:presentation>
 </file>
 
@@ -337,7 +341,7 @@
             <a:fld id="{B61BEF0D-F0BB-DE4B-95CE-6DB70DBA9567}" type="datetimeFigureOut">
               <a:rPr lang="en-US" dirty="0"/>
               <a:pPr/>
-              <a:t>5/11/2017</a:t>
+              <a:t>5/13/17</a:t>
             </a:fld>
             <a:endParaRPr lang="en-US" dirty="0"/>
           </a:p>
@@ -666,7 +670,7 @@
             <a:fld id="{B61BEF0D-F0BB-DE4B-95CE-6DB70DBA9567}" type="datetimeFigureOut">
               <a:rPr lang="en-US" dirty="0"/>
               <a:pPr/>
-              <a:t>5/11/2017</a:t>
+              <a:t>5/13/17</a:t>
             </a:fld>
             <a:endParaRPr lang="en-US" dirty="0"/>
           </a:p>
@@ -911,7 +915,7 @@
             <a:fld id="{B61BEF0D-F0BB-DE4B-95CE-6DB70DBA9567}" type="datetimeFigureOut">
               <a:rPr lang="en-US" dirty="0"/>
               <a:pPr/>
-              <a:t>5/11/2017</a:t>
+              <a:t>5/13/17</a:t>
             </a:fld>
             <a:endParaRPr lang="en-US" dirty="0"/>
           </a:p>
@@ -1254,7 +1258,7 @@
             <a:fld id="{B61BEF0D-F0BB-DE4B-95CE-6DB70DBA9567}" type="datetimeFigureOut">
               <a:rPr lang="en-US" dirty="0"/>
               <a:pPr/>
-              <a:t>5/11/2017</a:t>
+              <a:t>5/13/17</a:t>
             </a:fld>
             <a:endParaRPr lang="en-US" dirty="0"/>
           </a:p>
@@ -1605,7 +1609,7 @@
             <a:fld id="{B61BEF0D-F0BB-DE4B-95CE-6DB70DBA9567}" type="datetimeFigureOut">
               <a:rPr lang="en-US" dirty="0"/>
               <a:pPr/>
-              <a:t>5/11/2017</a:t>
+              <a:t>5/13/17</a:t>
             </a:fld>
             <a:endParaRPr lang="en-US" dirty="0"/>
           </a:p>
@@ -1976,7 +1980,7 @@
             <a:fld id="{B61BEF0D-F0BB-DE4B-95CE-6DB70DBA9567}" type="datetimeFigureOut">
               <a:rPr lang="en-US" dirty="0"/>
               <a:pPr/>
-              <a:t>5/11/2017</a:t>
+              <a:t>5/13/17</a:t>
             </a:fld>
             <a:endParaRPr lang="en-US" dirty="0"/>
           </a:p>
@@ -2450,7 +2454,7 @@
             <a:fld id="{B61BEF0D-F0BB-DE4B-95CE-6DB70DBA9567}" type="datetimeFigureOut">
               <a:rPr lang="en-US" dirty="0"/>
               <a:pPr/>
-              <a:t>5/11/2017</a:t>
+              <a:t>5/13/17</a:t>
             </a:fld>
             <a:endParaRPr lang="en-US" dirty="0"/>
           </a:p>
@@ -2659,7 +2663,7 @@
             <a:fld id="{B61BEF0D-F0BB-DE4B-95CE-6DB70DBA9567}" type="datetimeFigureOut">
               <a:rPr lang="en-US" dirty="0"/>
               <a:pPr/>
-              <a:t>5/11/2017</a:t>
+              <a:t>5/13/17</a:t>
             </a:fld>
             <a:endParaRPr lang="en-US" dirty="0"/>
           </a:p>
@@ -2874,7 +2878,7 @@
             <a:fld id="{B61BEF0D-F0BB-DE4B-95CE-6DB70DBA9567}" type="datetimeFigureOut">
               <a:rPr lang="en-US" dirty="0"/>
               <a:pPr/>
-              <a:t>5/11/2017</a:t>
+              <a:t>5/13/17</a:t>
             </a:fld>
             <a:endParaRPr lang="en-US" dirty="0"/>
           </a:p>
@@ -3116,7 +3120,7 @@
           <a:p>
             <a:fld id="{05BFA754-D5C3-4E66-96A6-867B257F58DC}" type="datetimeFigureOut">
               <a:rPr lang="en-US" dirty="0"/>
-              <a:t>5/11/2017</a:t>
+              <a:t>5/13/17</a:t>
             </a:fld>
             <a:endParaRPr lang="en-US" dirty="0"/>
           </a:p>
@@ -3360,7 +3364,7 @@
             <a:fld id="{B61BEF0D-F0BB-DE4B-95CE-6DB70DBA9567}" type="datetimeFigureOut">
               <a:rPr lang="en-US" dirty="0"/>
               <a:pPr/>
-              <a:t>5/11/2017</a:t>
+              <a:t>5/13/17</a:t>
             </a:fld>
             <a:endParaRPr lang="en-US" dirty="0"/>
           </a:p>
@@ -3668,7 +3672,7 @@
           <a:p>
             <a:fld id="{05BFA754-D5C3-4E66-96A6-867B257F58DC}" type="datetimeFigureOut">
               <a:rPr lang="en-US" dirty="0"/>
-              <a:t>5/11/2017</a:t>
+              <a:t>5/13/17</a:t>
             </a:fld>
             <a:endParaRPr lang="en-US" dirty="0"/>
           </a:p>
@@ -4046,7 +4050,7 @@
             <a:fld id="{B61BEF0D-F0BB-DE4B-95CE-6DB70DBA9567}" type="datetimeFigureOut">
               <a:rPr lang="en-US" dirty="0"/>
               <a:pPr/>
-              <a:t>5/11/2017</a:t>
+              <a:t>5/13/17</a:t>
             </a:fld>
             <a:endParaRPr lang="en-US" dirty="0"/>
           </a:p>
@@ -4199,7 +4203,7 @@
             <a:fld id="{B61BEF0D-F0BB-DE4B-95CE-6DB70DBA9567}" type="datetimeFigureOut">
               <a:rPr lang="en-US" dirty="0"/>
               <a:pPr/>
-              <a:t>5/11/2017</a:t>
+              <a:t>5/13/17</a:t>
             </a:fld>
             <a:endParaRPr lang="en-US" dirty="0"/>
           </a:p>
@@ -4329,7 +4333,7 @@
             <a:fld id="{B61BEF0D-F0BB-DE4B-95CE-6DB70DBA9567}" type="datetimeFigureOut">
               <a:rPr lang="en-US" dirty="0"/>
               <a:pPr/>
-              <a:t>5/11/2017</a:t>
+              <a:t>5/13/17</a:t>
             </a:fld>
             <a:endParaRPr lang="en-US" dirty="0"/>
           </a:p>
@@ -4581,7 +4585,7 @@
             <a:fld id="{B61BEF0D-F0BB-DE4B-95CE-6DB70DBA9567}" type="datetimeFigureOut">
               <a:rPr lang="en-US" dirty="0"/>
               <a:pPr/>
-              <a:t>5/11/2017</a:t>
+              <a:t>5/13/17</a:t>
             </a:fld>
             <a:endParaRPr lang="en-US" dirty="0"/>
           </a:p>
@@ -4900,7 +4904,7 @@
             <a:fld id="{B61BEF0D-F0BB-DE4B-95CE-6DB70DBA9567}" type="datetimeFigureOut">
               <a:rPr lang="en-US" dirty="0"/>
               <a:pPr/>
-              <a:t>5/11/2017</a:t>
+              <a:t>5/13/17</a:t>
             </a:fld>
             <a:endParaRPr lang="en-US" dirty="0"/>
           </a:p>
@@ -5141,7 +5145,7 @@
             <a:fld id="{B61BEF0D-F0BB-DE4B-95CE-6DB70DBA9567}" type="datetimeFigureOut">
               <a:rPr lang="en-US" dirty="0"/>
               <a:pPr/>
-              <a:t>5/11/2017</a:t>
+              <a:t>5/13/17</a:t>
             </a:fld>
             <a:endParaRPr lang="en-US" dirty="0"/>
           </a:p>
@@ -5727,11 +5731,31 @@
           <a:p>
             <a:r>
               <a:rPr lang="en-US" dirty="0"/>
-              <a:t>By Tin Tran, Satish, Shiva, </a:t>
-            </a:r>
-            <a:r>
-              <a:rPr lang="en-US" dirty="0" err="1"/>
-              <a:t>SreeDeepk</a:t>
+              <a:t>By Tin Tran, </a:t>
+            </a:r>
+            <a:r>
+              <a:rPr lang="en-US" dirty="0" smtClean="0"/>
+              <a:t>Satish </a:t>
+            </a:r>
+            <a:r>
+              <a:rPr lang="en-US" dirty="0"/>
+              <a:t>K</a:t>
+            </a:r>
+            <a:r>
+              <a:rPr lang="en-US" dirty="0" smtClean="0"/>
+              <a:t>umar, Shiva Padma, </a:t>
+            </a:r>
+            <a:r>
+              <a:rPr lang="en-US" dirty="0" err="1" smtClean="0"/>
+              <a:t>Sreedeep</a:t>
+            </a:r>
+            <a:r>
+              <a:rPr lang="en-US" dirty="0" smtClean="0"/>
+              <a:t> </a:t>
+            </a:r>
+            <a:r>
+              <a:rPr lang="en-US" dirty="0" err="1" smtClean="0"/>
+              <a:t>Katragadda</a:t>
             </a:r>
             <a:endParaRPr lang="en-US" dirty="0"/>
           </a:p>
@@ -5741,13 +5765,14 @@
               <a:t>CMPE 272 – </a:t>
             </a:r>
             <a:r>
-              <a:rPr lang="en-US" dirty="0" err="1"/>
-              <a:t>Rankesh</a:t>
-            </a:r>
-            <a:r>
-              <a:rPr lang="en-US" dirty="0"/>
-              <a:t> Rajesh</a:t>
-            </a:r>
+              <a:rPr lang="en-US" dirty="0" smtClean="0"/>
+              <a:t>Rakesh </a:t>
+            </a:r>
+            <a:r>
+              <a:rPr lang="en-US" dirty="0" err="1" smtClean="0"/>
+              <a:t>Ranjan</a:t>
+            </a:r>
+            <a:endParaRPr lang="en-US" dirty="0"/>
           </a:p>
         </p:txBody>
       </p:sp>
@@ -5761,6 +5786,13 @@
   <p:clrMapOvr>
     <a:masterClrMapping/>
   </p:clrMapOvr>
+  <p:timing>
+    <p:tnLst>
+      <p:par>
+        <p:cTn id="1" dur="indefinite" restart="never" nodeType="tmRoot"/>
+      </p:par>
+    </p:tnLst>
+  </p:timing>
 </p:sld>
 </file>
 
@@ -5853,6 +5885,13 @@
   <p:clrMapOvr>
     <a:masterClrMapping/>
   </p:clrMapOvr>
+  <p:timing>
+    <p:tnLst>
+      <p:par>
+        <p:cTn id="1" dur="indefinite" restart="never" nodeType="tmRoot"/>
+      </p:par>
+    </p:tnLst>
+  </p:timing>
 </p:sld>
 </file>
 
@@ -5939,6 +5978,13 @@
   <p:clrMapOvr>
     <a:masterClrMapping/>
   </p:clrMapOvr>
+  <p:timing>
+    <p:tnLst>
+      <p:par>
+        <p:cTn id="1" dur="indefinite" restart="never" nodeType="tmRoot"/>
+      </p:par>
+    </p:tnLst>
+  </p:timing>
 </p:sld>
 </file>
 
@@ -6031,6 +6077,13 @@
   <p:clrMapOvr>
     <a:masterClrMapping/>
   </p:clrMapOvr>
+  <p:timing>
+    <p:tnLst>
+      <p:par>
+        <p:cTn id="1" dur="indefinite" restart="never" nodeType="tmRoot"/>
+      </p:par>
+    </p:tnLst>
+  </p:timing>
 </p:sld>
 </file>
 
@@ -6102,86 +6155,13 @@
   <p:clrMapOvr>
     <a:masterClrMapping/>
   </p:clrMapOvr>
-</p:sld>
-</file>
-
-<file path=ppt/slides/slide6.xml><?xml version="1.0" encoding="utf-8"?>
-<p:sld xmlns:a="http://schemas.openxmlformats.org/drawingml/2006/main" xmlns:r="http://schemas.openxmlformats.org/officeDocument/2006/relationships" xmlns:p="http://schemas.openxmlformats.org/presentationml/2006/main">
-  <p:cSld>
-    <p:spTree>
-      <p:nvGrpSpPr>
-        <p:cNvPr id="1" name=""/>
-        <p:cNvGrpSpPr/>
-        <p:nvPr/>
-      </p:nvGrpSpPr>
-      <p:grpSpPr>
-        <a:xfrm>
-          <a:off x="0" y="0"/>
-          <a:ext cx="0" cy="0"/>
-          <a:chOff x="0" y="0"/>
-          <a:chExt cx="0" cy="0"/>
-        </a:xfrm>
-      </p:grpSpPr>
-      <p:sp>
-        <p:nvSpPr>
-          <p:cNvPr id="2" name="Title 1"/>
-          <p:cNvSpPr>
-            <a:spLocks noGrp="1"/>
-          </p:cNvSpPr>
-          <p:nvPr>
-            <p:ph type="title"/>
-          </p:nvPr>
-        </p:nvSpPr>
-        <p:spPr/>
-        <p:txBody>
-          <a:bodyPr/>
-          <a:lstStyle/>
-          <a:p>
-            <a:r>
-              <a:rPr lang="en-US" dirty="0"/>
-              <a:t>Future Development</a:t>
-            </a:r>
-          </a:p>
-        </p:txBody>
-      </p:sp>
-      <p:sp>
-        <p:nvSpPr>
-          <p:cNvPr id="3" name="Content Placeholder 2"/>
-          <p:cNvSpPr>
-            <a:spLocks noGrp="1"/>
-          </p:cNvSpPr>
-          <p:nvPr>
-            <p:ph idx="1"/>
-          </p:nvPr>
-        </p:nvSpPr>
-        <p:spPr/>
-        <p:txBody>
-          <a:bodyPr/>
-          <a:lstStyle/>
-          <a:p>
-            <a:r>
-              <a:rPr lang="en-US" dirty="0"/>
-              <a:t>Machine Learning – Prioritize the products which customers buy the most</a:t>
-            </a:r>
-          </a:p>
-          <a:p>
-            <a:r>
-              <a:rPr lang="en-US" dirty="0"/>
-              <a:t>???? </a:t>
-            </a:r>
-          </a:p>
-        </p:txBody>
-      </p:sp>
-    </p:spTree>
-    <p:extLst>
-      <p:ext uri="{BB962C8B-B14F-4D97-AF65-F5344CB8AC3E}">
-        <p14:creationId xmlns:p14="http://schemas.microsoft.com/office/powerpoint/2010/main" val="575142263"/>
-      </p:ext>
-    </p:extLst>
-  </p:cSld>
-  <p:clrMapOvr>
-    <a:masterClrMapping/>
-  </p:clrMapOvr>
+  <p:timing>
+    <p:tnLst>
+      <p:par>
+        <p:cTn id="1" dur="indefinite" restart="never" nodeType="tmRoot"/>
+      </p:par>
+    </p:tnLst>
+  </p:timing>
 </p:sld>
 </file>
 
